--- a/manuscript/fig_embedding.pptx
+++ b/manuscript/fig_embedding.pptx
@@ -104,6 +104,11 @@
       </a:defRPr>
     </a:lvl9pPr>
   </p:defaultTextStyle>
+  <p:extLst>
+    <p:ext uri="{EFAFB233-063F-42B5-8137-9DF3F51BA10A}">
+      <p15:sldGuideLst xmlns:p15="http://schemas.microsoft.com/office/powerpoint/2012/main"/>
+    </p:ext>
+  </p:extLst>
 </p:presentation>
 </file>
 
@@ -256,7 +261,7 @@
           <a:p>
             <a:fld id="{3A546315-EE1D-4491-AFF5-6569C25D0A6D}" type="datetimeFigureOut">
               <a:rPr lang="en-GB" smtClean="0"/>
-              <a:t>27/07/2021</a:t>
+              <a:t>06/12/2021</a:t>
             </a:fld>
             <a:endParaRPr lang="en-GB"/>
           </a:p>
@@ -456,7 +461,7 @@
           <a:p>
             <a:fld id="{3A546315-EE1D-4491-AFF5-6569C25D0A6D}" type="datetimeFigureOut">
               <a:rPr lang="en-GB" smtClean="0"/>
-              <a:t>27/07/2021</a:t>
+              <a:t>06/12/2021</a:t>
             </a:fld>
             <a:endParaRPr lang="en-GB"/>
           </a:p>
@@ -666,7 +671,7 @@
           <a:p>
             <a:fld id="{3A546315-EE1D-4491-AFF5-6569C25D0A6D}" type="datetimeFigureOut">
               <a:rPr lang="en-GB" smtClean="0"/>
-              <a:t>27/07/2021</a:t>
+              <a:t>06/12/2021</a:t>
             </a:fld>
             <a:endParaRPr lang="en-GB"/>
           </a:p>
@@ -866,7 +871,7 @@
           <a:p>
             <a:fld id="{3A546315-EE1D-4491-AFF5-6569C25D0A6D}" type="datetimeFigureOut">
               <a:rPr lang="en-GB" smtClean="0"/>
-              <a:t>27/07/2021</a:t>
+              <a:t>06/12/2021</a:t>
             </a:fld>
             <a:endParaRPr lang="en-GB"/>
           </a:p>
@@ -1142,7 +1147,7 @@
           <a:p>
             <a:fld id="{3A546315-EE1D-4491-AFF5-6569C25D0A6D}" type="datetimeFigureOut">
               <a:rPr lang="en-GB" smtClean="0"/>
-              <a:t>27/07/2021</a:t>
+              <a:t>06/12/2021</a:t>
             </a:fld>
             <a:endParaRPr lang="en-GB"/>
           </a:p>
@@ -1410,7 +1415,7 @@
           <a:p>
             <a:fld id="{3A546315-EE1D-4491-AFF5-6569C25D0A6D}" type="datetimeFigureOut">
               <a:rPr lang="en-GB" smtClean="0"/>
-              <a:t>27/07/2021</a:t>
+              <a:t>06/12/2021</a:t>
             </a:fld>
             <a:endParaRPr lang="en-GB"/>
           </a:p>
@@ -1825,7 +1830,7 @@
           <a:p>
             <a:fld id="{3A546315-EE1D-4491-AFF5-6569C25D0A6D}" type="datetimeFigureOut">
               <a:rPr lang="en-GB" smtClean="0"/>
-              <a:t>27/07/2021</a:t>
+              <a:t>06/12/2021</a:t>
             </a:fld>
             <a:endParaRPr lang="en-GB"/>
           </a:p>
@@ -1967,7 +1972,7 @@
           <a:p>
             <a:fld id="{3A546315-EE1D-4491-AFF5-6569C25D0A6D}" type="datetimeFigureOut">
               <a:rPr lang="en-GB" smtClean="0"/>
-              <a:t>27/07/2021</a:t>
+              <a:t>06/12/2021</a:t>
             </a:fld>
             <a:endParaRPr lang="en-GB"/>
           </a:p>
@@ -2080,7 +2085,7 @@
           <a:p>
             <a:fld id="{3A546315-EE1D-4491-AFF5-6569C25D0A6D}" type="datetimeFigureOut">
               <a:rPr lang="en-GB" smtClean="0"/>
-              <a:t>27/07/2021</a:t>
+              <a:t>06/12/2021</a:t>
             </a:fld>
             <a:endParaRPr lang="en-GB"/>
           </a:p>
@@ -2393,7 +2398,7 @@
           <a:p>
             <a:fld id="{3A546315-EE1D-4491-AFF5-6569C25D0A6D}" type="datetimeFigureOut">
               <a:rPr lang="en-GB" smtClean="0"/>
-              <a:t>27/07/2021</a:t>
+              <a:t>06/12/2021</a:t>
             </a:fld>
             <a:endParaRPr lang="en-GB"/>
           </a:p>
@@ -2682,7 +2687,7 @@
           <a:p>
             <a:fld id="{3A546315-EE1D-4491-AFF5-6569C25D0A6D}" type="datetimeFigureOut">
               <a:rPr lang="en-GB" smtClean="0"/>
-              <a:t>27/07/2021</a:t>
+              <a:t>06/12/2021</a:t>
             </a:fld>
             <a:endParaRPr lang="en-GB"/>
           </a:p>
@@ -2925,7 +2930,7 @@
           <a:p>
             <a:fld id="{3A546315-EE1D-4491-AFF5-6569C25D0A6D}" type="datetimeFigureOut">
               <a:rPr lang="en-GB" smtClean="0"/>
-              <a:t>27/07/2021</a:t>
+              <a:t>06/12/2021</a:t>
             </a:fld>
             <a:endParaRPr lang="en-GB"/>
           </a:p>
@@ -3661,7 +3666,7 @@
                 </a:solidFill>
                 <a:latin typeface="LM Roman 12" panose="00000500000000000000" pitchFamily="50" charset="0"/>
               </a:rPr>
-              <a:t>Pretrained Sentence-BERT Model</a:t>
+              <a:t>Pretrained Text Embedding Model</a:t>
             </a:r>
             <a:endParaRPr lang="en-GB" dirty="0">
               <a:solidFill>
@@ -3727,7 +3732,7 @@
                 </a:solidFill>
                 <a:latin typeface="LM Roman 12" panose="00000500000000000000" pitchFamily="50" charset="0"/>
               </a:rPr>
-              <a:t>Sentence Embedding</a:t>
+              <a:t>Sentence-level Embedding</a:t>
             </a:r>
             <a:endParaRPr lang="en-GB" b="1" dirty="0">
               <a:solidFill>
